--- a/Java 相關/Eclipse 補充.pptx
+++ b/Java 相關/Eclipse 補充.pptx
@@ -114,6 +114,11 @@
       </a:defRPr>
     </a:lvl9pPr>
   </p:defaultTextStyle>
+  <p:extLst>
+    <p:ext uri="{EFAFB233-063F-42B5-8137-9DF3F51BA10A}">
+      <p15:sldGuideLst xmlns:p15="http://schemas.microsoft.com/office/powerpoint/2012/main"/>
+    </p:ext>
+  </p:extLst>
 </p:presentation>
 </file>
 
@@ -8069,8 +8074,8 @@
         </p:blipFill>
         <p:spPr>
           <a:xfrm>
-            <a:off x="8230957" y="122011"/>
-            <a:ext cx="3611298" cy="1512424"/>
+            <a:off x="8820149" y="92324"/>
+            <a:ext cx="3193555" cy="1337472"/>
           </a:xfrm>
           <a:prstGeom prst="rect">
             <a:avLst/>

--- a/Java 相關/Eclipse 補充.pptx
+++ b/Java 相關/Eclipse 補充.pptx
@@ -5,7 +5,7 @@
     <p:sldMasterId id="2147483660" r:id="rId1"/>
   </p:sldMasterIdLst>
   <p:notesMasterIdLst>
-    <p:notesMasterId r:id="rId10"/>
+    <p:notesMasterId r:id="rId11"/>
   </p:notesMasterIdLst>
   <p:sldIdLst>
     <p:sldId id="256" r:id="rId2"/>
@@ -13,9 +13,10 @@
     <p:sldId id="258" r:id="rId4"/>
     <p:sldId id="259" r:id="rId5"/>
     <p:sldId id="261" r:id="rId6"/>
-    <p:sldId id="260" r:id="rId7"/>
-    <p:sldId id="262" r:id="rId8"/>
-    <p:sldId id="263" r:id="rId9"/>
+    <p:sldId id="265" r:id="rId7"/>
+    <p:sldId id="260" r:id="rId8"/>
+    <p:sldId id="262" r:id="rId9"/>
+    <p:sldId id="263" r:id="rId10"/>
   </p:sldIdLst>
   <p:sldSz cx="12192000" cy="6858000"/>
   <p:notesSz cx="6858000" cy="9144000"/>
@@ -204,7 +205,7 @@
           <a:p>
             <a:fld id="{43D4FA5E-B430-45F1-A8EF-E898822FD798}" type="datetimeFigureOut">
               <a:rPr lang="zh-TW" altLang="en-US" smtClean="0"/>
-              <a:t>2023/11/1</a:t>
+              <a:t>2023/11/2</a:t>
             </a:fld>
             <a:endParaRPr lang="zh-TW" altLang="en-US"/>
           </a:p>
@@ -1277,7 +1278,7 @@
           <a:p>
             <a:fld id="{15459D0F-AD36-4E76-BBEE-C11748002234}" type="datetimeFigureOut">
               <a:rPr lang="zh-TW" altLang="en-US" smtClean="0"/>
-              <a:t>2023/11/1</a:t>
+              <a:t>2023/11/2</a:t>
             </a:fld>
             <a:endParaRPr lang="zh-TW" altLang="en-US"/>
           </a:p>
@@ -1528,7 +1529,7 @@
           <a:p>
             <a:fld id="{15459D0F-AD36-4E76-BBEE-C11748002234}" type="datetimeFigureOut">
               <a:rPr lang="zh-TW" altLang="en-US" smtClean="0"/>
-              <a:t>2023/11/1</a:t>
+              <a:t>2023/11/2</a:t>
             </a:fld>
             <a:endParaRPr lang="zh-TW" altLang="en-US"/>
           </a:p>
@@ -1842,7 +1843,7 @@
           <a:p>
             <a:fld id="{15459D0F-AD36-4E76-BBEE-C11748002234}" type="datetimeFigureOut">
               <a:rPr lang="zh-TW" altLang="en-US" smtClean="0"/>
-              <a:t>2023/11/1</a:t>
+              <a:t>2023/11/2</a:t>
             </a:fld>
             <a:endParaRPr lang="zh-TW" altLang="en-US"/>
           </a:p>
@@ -2183,7 +2184,7 @@
           <a:p>
             <a:fld id="{15459D0F-AD36-4E76-BBEE-C11748002234}" type="datetimeFigureOut">
               <a:rPr lang="zh-TW" altLang="en-US" smtClean="0"/>
-              <a:t>2023/11/1</a:t>
+              <a:t>2023/11/2</a:t>
             </a:fld>
             <a:endParaRPr lang="zh-TW" altLang="en-US"/>
           </a:p>
@@ -2497,7 +2498,7 @@
           <a:p>
             <a:fld id="{15459D0F-AD36-4E76-BBEE-C11748002234}" type="datetimeFigureOut">
               <a:rPr lang="zh-TW" altLang="en-US" smtClean="0"/>
-              <a:t>2023/11/1</a:t>
+              <a:t>2023/11/2</a:t>
             </a:fld>
             <a:endParaRPr lang="zh-TW" altLang="en-US"/>
           </a:p>
@@ -2890,7 +2891,7 @@
           <a:p>
             <a:fld id="{15459D0F-AD36-4E76-BBEE-C11748002234}" type="datetimeFigureOut">
               <a:rPr lang="zh-TW" altLang="en-US" smtClean="0"/>
-              <a:t>2023/11/1</a:t>
+              <a:t>2023/11/2</a:t>
             </a:fld>
             <a:endParaRPr lang="zh-TW" altLang="en-US"/>
           </a:p>
@@ -3060,7 +3061,7 @@
           <a:p>
             <a:fld id="{15459D0F-AD36-4E76-BBEE-C11748002234}" type="datetimeFigureOut">
               <a:rPr lang="zh-TW" altLang="en-US" smtClean="0"/>
-              <a:t>2023/11/1</a:t>
+              <a:t>2023/11/2</a:t>
             </a:fld>
             <a:endParaRPr lang="zh-TW" altLang="en-US"/>
           </a:p>
@@ -3240,7 +3241,7 @@
           <a:p>
             <a:fld id="{15459D0F-AD36-4E76-BBEE-C11748002234}" type="datetimeFigureOut">
               <a:rPr lang="zh-TW" altLang="en-US" smtClean="0"/>
-              <a:t>2023/11/1</a:t>
+              <a:t>2023/11/2</a:t>
             </a:fld>
             <a:endParaRPr lang="zh-TW" altLang="en-US"/>
           </a:p>
@@ -3416,7 +3417,7 @@
           <a:p>
             <a:fld id="{15459D0F-AD36-4E76-BBEE-C11748002234}" type="datetimeFigureOut">
               <a:rPr lang="zh-TW" altLang="en-US" smtClean="0"/>
-              <a:t>2023/11/1</a:t>
+              <a:t>2023/11/2</a:t>
             </a:fld>
             <a:endParaRPr lang="zh-TW" altLang="en-US"/>
           </a:p>
@@ -3663,7 +3664,7 @@
           <a:p>
             <a:fld id="{15459D0F-AD36-4E76-BBEE-C11748002234}" type="datetimeFigureOut">
               <a:rPr lang="zh-TW" altLang="en-US" smtClean="0"/>
-              <a:t>2023/11/1</a:t>
+              <a:t>2023/11/2</a:t>
             </a:fld>
             <a:endParaRPr lang="zh-TW" altLang="en-US"/>
           </a:p>
@@ -3895,7 +3896,7 @@
           <a:p>
             <a:fld id="{15459D0F-AD36-4E76-BBEE-C11748002234}" type="datetimeFigureOut">
               <a:rPr lang="zh-TW" altLang="en-US" smtClean="0"/>
-              <a:t>2023/11/1</a:t>
+              <a:t>2023/11/2</a:t>
             </a:fld>
             <a:endParaRPr lang="zh-TW" altLang="en-US"/>
           </a:p>
@@ -4269,7 +4270,7 @@
           <a:p>
             <a:fld id="{15459D0F-AD36-4E76-BBEE-C11748002234}" type="datetimeFigureOut">
               <a:rPr lang="zh-TW" altLang="en-US" smtClean="0"/>
-              <a:t>2023/11/1</a:t>
+              <a:t>2023/11/2</a:t>
             </a:fld>
             <a:endParaRPr lang="zh-TW" altLang="en-US"/>
           </a:p>
@@ -4392,7 +4393,7 @@
           <a:p>
             <a:fld id="{15459D0F-AD36-4E76-BBEE-C11748002234}" type="datetimeFigureOut">
               <a:rPr lang="zh-TW" altLang="en-US" smtClean="0"/>
-              <a:t>2023/11/1</a:t>
+              <a:t>2023/11/2</a:t>
             </a:fld>
             <a:endParaRPr lang="zh-TW" altLang="en-US"/>
           </a:p>
@@ -4487,7 +4488,7 @@
           <a:p>
             <a:fld id="{15459D0F-AD36-4E76-BBEE-C11748002234}" type="datetimeFigureOut">
               <a:rPr lang="zh-TW" altLang="en-US" smtClean="0"/>
-              <a:t>2023/11/1</a:t>
+              <a:t>2023/11/2</a:t>
             </a:fld>
             <a:endParaRPr lang="zh-TW" altLang="en-US"/>
           </a:p>
@@ -4742,7 +4743,7 @@
           <a:p>
             <a:fld id="{15459D0F-AD36-4E76-BBEE-C11748002234}" type="datetimeFigureOut">
               <a:rPr lang="zh-TW" altLang="en-US" smtClean="0"/>
-              <a:t>2023/11/1</a:t>
+              <a:t>2023/11/2</a:t>
             </a:fld>
             <a:endParaRPr lang="zh-TW" altLang="en-US"/>
           </a:p>
@@ -5005,7 +5006,7 @@
           <a:p>
             <a:fld id="{15459D0F-AD36-4E76-BBEE-C11748002234}" type="datetimeFigureOut">
               <a:rPr lang="zh-TW" altLang="en-US" smtClean="0"/>
-              <a:t>2023/11/1</a:t>
+              <a:t>2023/11/2</a:t>
             </a:fld>
             <a:endParaRPr lang="zh-TW" altLang="en-US"/>
           </a:p>
@@ -5748,7 +5749,7 @@
           <a:p>
             <a:fld id="{15459D0F-AD36-4E76-BBEE-C11748002234}" type="datetimeFigureOut">
               <a:rPr lang="zh-TW" altLang="en-US" smtClean="0"/>
-              <a:t>2023/11/1</a:t>
+              <a:t>2023/11/2</a:t>
             </a:fld>
             <a:endParaRPr lang="zh-TW" altLang="en-US"/>
           </a:p>
@@ -7075,6 +7076,265 @@
           <p:cNvPr id="2" name="標題 1">
             <a:extLst>
               <a:ext uri="{FF2B5EF4-FFF2-40B4-BE49-F238E27FC236}">
+                <a16:creationId xmlns:a16="http://schemas.microsoft.com/office/drawing/2014/main" id="{36DEB520-975E-4B9D-8CF6-7CB70D2B15B9}"/>
+              </a:ext>
+            </a:extLst>
+          </p:cNvPr>
+          <p:cNvSpPr>
+            <a:spLocks noGrp="1"/>
+          </p:cNvSpPr>
+          <p:nvPr>
+            <p:ph type="title"/>
+          </p:nvPr>
+        </p:nvSpPr>
+        <p:spPr/>
+        <p:txBody>
+          <a:bodyPr/>
+          <a:lstStyle/>
+          <a:p>
+            <a:r>
+              <a:rPr lang="en-US" altLang="zh-TW" dirty="0"/>
+              <a:t>Project Explorer</a:t>
+            </a:r>
+            <a:endParaRPr lang="zh-TW" altLang="en-US" dirty="0"/>
+          </a:p>
+        </p:txBody>
+      </p:sp>
+      <p:sp>
+        <p:nvSpPr>
+          <p:cNvPr id="3" name="內容版面配置區 2">
+            <a:extLst>
+              <a:ext uri="{FF2B5EF4-FFF2-40B4-BE49-F238E27FC236}">
+                <a16:creationId xmlns:a16="http://schemas.microsoft.com/office/drawing/2014/main" id="{B04AE0A3-D934-4681-8C7F-E9781E64E8D1}"/>
+              </a:ext>
+            </a:extLst>
+          </p:cNvPr>
+          <p:cNvSpPr>
+            <a:spLocks noGrp="1"/>
+          </p:cNvSpPr>
+          <p:nvPr>
+            <p:ph idx="1"/>
+          </p:nvPr>
+        </p:nvSpPr>
+        <p:spPr>
+          <a:xfrm>
+            <a:off x="677334" y="1690073"/>
+            <a:ext cx="8596668" cy="3880773"/>
+          </a:xfrm>
+        </p:spPr>
+        <p:txBody>
+          <a:bodyPr/>
+          <a:lstStyle/>
+          <a:p>
+            <a:r>
+              <a:rPr lang="zh-TW" altLang="en-US" dirty="0"/>
+              <a:t>選單</a:t>
+            </a:r>
+            <a:r>
+              <a:rPr lang="en-US" altLang="zh-TW" dirty="0"/>
+              <a:t>(</a:t>
+            </a:r>
+            <a:r>
+              <a:rPr lang="zh-TW" altLang="en-US" dirty="0"/>
+              <a:t>垂直三個點</a:t>
+            </a:r>
+            <a:r>
+              <a:rPr lang="en-US" altLang="zh-TW" dirty="0"/>
+              <a:t>)</a:t>
+            </a:r>
+            <a:r>
+              <a:rPr lang="zh-TW" altLang="en-US" dirty="0"/>
+              <a:t> </a:t>
+            </a:r>
+            <a:r>
+              <a:rPr lang="en-US" altLang="zh-TW" dirty="0"/>
+              <a:t>&gt;</a:t>
+            </a:r>
+            <a:r>
+              <a:rPr lang="zh-TW" altLang="en-US" dirty="0"/>
+              <a:t> </a:t>
+            </a:r>
+            <a:r>
+              <a:rPr lang="en-US" altLang="zh-TW" dirty="0"/>
+              <a:t>Package</a:t>
+            </a:r>
+            <a:r>
+              <a:rPr lang="zh-TW" altLang="en-US" dirty="0"/>
+              <a:t> </a:t>
+            </a:r>
+            <a:r>
+              <a:rPr lang="en-US" altLang="zh-TW" dirty="0"/>
+              <a:t>Presentation &gt; Hierarchical</a:t>
+            </a:r>
+            <a:endParaRPr lang="zh-TW" altLang="en-US" dirty="0"/>
+          </a:p>
+        </p:txBody>
+      </p:sp>
+      <p:pic>
+        <p:nvPicPr>
+          <p:cNvPr id="5" name="圖片 4">
+            <a:extLst>
+              <a:ext uri="{FF2B5EF4-FFF2-40B4-BE49-F238E27FC236}">
+                <a16:creationId xmlns:a16="http://schemas.microsoft.com/office/drawing/2014/main" id="{9146EBA9-04F0-458D-947F-B766487408C6}"/>
+              </a:ext>
+            </a:extLst>
+          </p:cNvPr>
+          <p:cNvPicPr>
+            <a:picLocks noChangeAspect="1"/>
+          </p:cNvPicPr>
+          <p:nvPr/>
+        </p:nvPicPr>
+        <p:blipFill>
+          <a:blip r:embed="rId2"/>
+          <a:stretch>
+            <a:fillRect/>
+          </a:stretch>
+        </p:blipFill>
+        <p:spPr>
+          <a:xfrm>
+            <a:off x="1525871" y="2922896"/>
+            <a:ext cx="2733675" cy="2533650"/>
+          </a:xfrm>
+          <a:prstGeom prst="rect">
+            <a:avLst/>
+          </a:prstGeom>
+        </p:spPr>
+      </p:pic>
+      <p:pic>
+        <p:nvPicPr>
+          <p:cNvPr id="6" name="圖片 5">
+            <a:extLst>
+              <a:ext uri="{FF2B5EF4-FFF2-40B4-BE49-F238E27FC236}">
+                <a16:creationId xmlns:a16="http://schemas.microsoft.com/office/drawing/2014/main" id="{DA6C05E7-7172-4D2B-94FC-737D1DCBAB83}"/>
+              </a:ext>
+            </a:extLst>
+          </p:cNvPr>
+          <p:cNvPicPr>
+            <a:picLocks noChangeAspect="1"/>
+          </p:cNvPicPr>
+          <p:nvPr/>
+        </p:nvPicPr>
+        <p:blipFill>
+          <a:blip r:embed="rId3"/>
+          <a:stretch>
+            <a:fillRect/>
+          </a:stretch>
+        </p:blipFill>
+        <p:spPr>
+          <a:xfrm>
+            <a:off x="5108083" y="2922896"/>
+            <a:ext cx="2686050" cy="2647950"/>
+          </a:xfrm>
+          <a:prstGeom prst="rect">
+            <a:avLst/>
+          </a:prstGeom>
+        </p:spPr>
+      </p:pic>
+      <p:sp>
+        <p:nvSpPr>
+          <p:cNvPr id="7" name="矩形 6">
+            <a:extLst>
+              <a:ext uri="{FF2B5EF4-FFF2-40B4-BE49-F238E27FC236}">
+                <a16:creationId xmlns:a16="http://schemas.microsoft.com/office/drawing/2014/main" id="{CB47DA78-737E-4014-984F-69B57182C484}"/>
+              </a:ext>
+            </a:extLst>
+          </p:cNvPr>
+          <p:cNvSpPr/>
+          <p:nvPr/>
+        </p:nvSpPr>
+        <p:spPr>
+          <a:xfrm>
+            <a:off x="5012894" y="2553564"/>
+            <a:ext cx="1348446" cy="338554"/>
+          </a:xfrm>
+          <a:prstGeom prst="rect">
+            <a:avLst/>
+          </a:prstGeom>
+        </p:spPr>
+        <p:txBody>
+          <a:bodyPr wrap="none">
+            <a:spAutoFit/>
+          </a:bodyPr>
+          <a:lstStyle/>
+          <a:p>
+            <a:r>
+              <a:rPr lang="en-US" altLang="zh-TW" sz="1600" b="1" dirty="0"/>
+              <a:t>Hierarchical</a:t>
+            </a:r>
+            <a:endParaRPr lang="zh-TW" altLang="en-US" sz="1600" b="1" dirty="0"/>
+          </a:p>
+        </p:txBody>
+      </p:sp>
+      <p:sp>
+        <p:nvSpPr>
+          <p:cNvPr id="8" name="矩形 7">
+            <a:extLst>
+              <a:ext uri="{FF2B5EF4-FFF2-40B4-BE49-F238E27FC236}">
+                <a16:creationId xmlns:a16="http://schemas.microsoft.com/office/drawing/2014/main" id="{B152E5C9-F06C-40EA-81BD-40DFFBCE2E28}"/>
+              </a:ext>
+            </a:extLst>
+          </p:cNvPr>
+          <p:cNvSpPr/>
+          <p:nvPr/>
+        </p:nvSpPr>
+        <p:spPr>
+          <a:xfrm>
+            <a:off x="1470893" y="2541481"/>
+            <a:ext cx="556563" cy="338554"/>
+          </a:xfrm>
+          <a:prstGeom prst="rect">
+            <a:avLst/>
+          </a:prstGeom>
+        </p:spPr>
+        <p:txBody>
+          <a:bodyPr wrap="none">
+            <a:spAutoFit/>
+          </a:bodyPr>
+          <a:lstStyle/>
+          <a:p>
+            <a:r>
+              <a:rPr lang="en-US" altLang="zh-TW" sz="1600" b="1" dirty="0"/>
+              <a:t>Flat</a:t>
+            </a:r>
+            <a:endParaRPr lang="zh-TW" altLang="en-US" sz="1600" b="1" dirty="0"/>
+          </a:p>
+        </p:txBody>
+      </p:sp>
+    </p:spTree>
+    <p:extLst>
+      <p:ext uri="{BB962C8B-B14F-4D97-AF65-F5344CB8AC3E}">
+        <p14:creationId xmlns:p14="http://schemas.microsoft.com/office/powerpoint/2010/main" val="480284149"/>
+      </p:ext>
+    </p:extLst>
+  </p:cSld>
+  <p:clrMapOvr>
+    <a:masterClrMapping/>
+  </p:clrMapOvr>
+</p:sld>
+</file>
+
+<file path=ppt/slides/slide7.xml><?xml version="1.0" encoding="utf-8"?>
+<p:sld xmlns:a="http://schemas.openxmlformats.org/drawingml/2006/main" xmlns:r="http://schemas.openxmlformats.org/officeDocument/2006/relationships" xmlns:p="http://schemas.openxmlformats.org/presentationml/2006/main">
+  <p:cSld>
+    <p:spTree>
+      <p:nvGrpSpPr>
+        <p:cNvPr id="1" name=""/>
+        <p:cNvGrpSpPr/>
+        <p:nvPr/>
+      </p:nvGrpSpPr>
+      <p:grpSpPr>
+        <a:xfrm>
+          <a:off x="0" y="0"/>
+          <a:ext cx="0" cy="0"/>
+          <a:chOff x="0" y="0"/>
+          <a:chExt cx="0" cy="0"/>
+        </a:xfrm>
+      </p:grpSpPr>
+      <p:sp>
+        <p:nvSpPr>
+          <p:cNvPr id="2" name="標題 1">
+            <a:extLst>
+              <a:ext uri="{FF2B5EF4-FFF2-40B4-BE49-F238E27FC236}">
                 <a16:creationId xmlns:a16="http://schemas.microsoft.com/office/drawing/2014/main" id="{04435B66-1FA0-46AE-F7F2-BA02278DBEA3}"/>
               </a:ext>
             </a:extLst>
@@ -7122,7 +7382,7 @@
         </p:spPr>
         <p:txBody>
           <a:bodyPr>
-            <a:normAutofit lnSpcReduction="10000"/>
+            <a:normAutofit fontScale="92500" lnSpcReduction="20000"/>
           </a:bodyPr>
           <a:lstStyle/>
           <a:p>
@@ -7147,7 +7407,7 @@
           <a:p>
             <a:r>
               <a:rPr lang="en-US" altLang="zh-TW" dirty="0"/>
-              <a:t>ALT+/</a:t>
+              <a:t>CTRL+/</a:t>
             </a:r>
             <a:r>
               <a:rPr lang="zh-TW" altLang="en-US" dirty="0"/>
@@ -7333,6 +7593,32 @@
               <a:t>：搜索指定行。</a:t>
             </a:r>
             <a:endParaRPr lang="en-US" altLang="zh-TW" dirty="0"/>
+          </a:p>
+          <a:p>
+            <a:r>
+              <a:rPr lang="en-US" altLang="zh-TW" dirty="0"/>
+              <a:t>ALT + /</a:t>
+            </a:r>
+            <a:r>
+              <a:rPr lang="zh-TW" altLang="en-US" dirty="0"/>
+              <a:t>：自動完成程式碼。例如：</a:t>
+            </a:r>
+            <a:r>
+              <a:rPr lang="en-US" altLang="zh-TW" dirty="0" err="1"/>
+              <a:t>sysout</a:t>
+            </a:r>
+            <a:r>
+              <a:rPr lang="zh-TW" altLang="en-US" dirty="0"/>
+              <a:t> 會自動幫你打 </a:t>
+            </a:r>
+            <a:r>
+              <a:rPr lang="en-US" altLang="zh-TW" dirty="0" err="1"/>
+              <a:t>System.out.println</a:t>
+            </a:r>
+            <a:r>
+              <a:rPr lang="en-US" altLang="zh-TW" dirty="0"/>
+              <a:t>();</a:t>
+            </a:r>
           </a:p>
           <a:p>
             <a:r>
@@ -7372,7 +7658,7 @@
 </p:sld>
 </file>
 
-<file path=ppt/slides/slide7.xml><?xml version="1.0" encoding="utf-8"?>
+<file path=ppt/slides/slide8.xml><?xml version="1.0" encoding="utf-8"?>
 <p:sld xmlns:a="http://schemas.openxmlformats.org/drawingml/2006/main" xmlns:r="http://schemas.openxmlformats.org/officeDocument/2006/relationships" xmlns:p="http://schemas.openxmlformats.org/presentationml/2006/main">
   <p:cSld>
     <p:spTree>
@@ -7664,7 +7950,7 @@
 </p:sld>
 </file>
 
-<file path=ppt/slides/slide8.xml><?xml version="1.0" encoding="utf-8"?>
+<file path=ppt/slides/slide9.xml><?xml version="1.0" encoding="utf-8"?>
 <p:sld xmlns:a="http://schemas.openxmlformats.org/drawingml/2006/main" xmlns:r="http://schemas.openxmlformats.org/officeDocument/2006/relationships" xmlns:p="http://schemas.openxmlformats.org/presentationml/2006/main">
   <p:cSld>
     <p:spTree>
